--- a/doc/Präsentation/TravelBuddy_1.pptx
+++ b/doc/Präsentation/TravelBuddy_1.pptx
@@ -212,7 +212,7 @@
             <a:pPr rtl="0"/>
             <a:fld id="{BDCF222C-890B-4A28-8CC5-860352B9D2D8}" type="datetime1">
               <a:rPr lang="de-DE" smtClean="0"/>
-              <a:t>31.01.2020</a:t>
+              <a:t>01.02.2020</a:t>
             </a:fld>
             <a:endParaRPr lang="de-DE" dirty="0"/>
           </a:p>
@@ -381,7 +381,7 @@
             <a:fld id="{2959C086-0186-48AE-8EDC-9B8212C2B37F}" type="datetime1">
               <a:rPr lang="de-DE" smtClean="0"/>
               <a:pPr/>
-              <a:t>31.01.2020</a:t>
+              <a:t>01.02.2020</a:t>
             </a:fld>
             <a:endParaRPr lang="de-DE" dirty="0"/>
           </a:p>
@@ -1462,7 +1462,7 @@
             <a:pPr rtl="0"/>
             <a:fld id="{B94F1A93-6CBE-40A4-B4CA-A91B3314C500}" type="datetime1">
               <a:rPr lang="de-DE" noProof="0" smtClean="0"/>
-              <a:t>31.01.2020</a:t>
+              <a:t>01.02.2020</a:t>
             </a:fld>
             <a:endParaRPr lang="de-DE" noProof="0" dirty="0"/>
           </a:p>
@@ -1713,7 +1713,7 @@
             <a:pPr rtl="0"/>
             <a:fld id="{CF6EFCB0-0098-4B2B-AF83-950DD600075C}" type="datetime1">
               <a:rPr lang="de-DE" noProof="0" smtClean="0"/>
-              <a:t>31.01.2020</a:t>
+              <a:t>01.02.2020</a:t>
             </a:fld>
             <a:endParaRPr lang="de-DE" noProof="0" dirty="0"/>
           </a:p>
@@ -2027,7 +2027,7 @@
             <a:pPr rtl="0"/>
             <a:fld id="{2864F35A-31C4-4781-98B0-DB2CEA50594D}" type="datetime1">
               <a:rPr lang="de-DE" noProof="0" smtClean="0"/>
-              <a:t>31.01.2020</a:t>
+              <a:t>01.02.2020</a:t>
             </a:fld>
             <a:endParaRPr lang="de-DE" noProof="0" dirty="0"/>
           </a:p>
@@ -2368,7 +2368,7 @@
             <a:pPr rtl="0"/>
             <a:fld id="{787B7B4B-ACBE-448E-9AAA-0307EEE7B05C}" type="datetime1">
               <a:rPr lang="de-DE" noProof="0" smtClean="0"/>
-              <a:t>31.01.2020</a:t>
+              <a:t>01.02.2020</a:t>
             </a:fld>
             <a:endParaRPr lang="de-DE" noProof="0" dirty="0"/>
           </a:p>
@@ -2682,7 +2682,7 @@
             <a:pPr rtl="0"/>
             <a:fld id="{8BB69D86-997A-4BF7-9D76-8E3D6B382B02}" type="datetime1">
               <a:rPr lang="de-DE" noProof="0" smtClean="0"/>
-              <a:t>31.01.2020</a:t>
+              <a:t>01.02.2020</a:t>
             </a:fld>
             <a:endParaRPr lang="de-DE" noProof="0" dirty="0"/>
           </a:p>
@@ -3075,7 +3075,7 @@
             <a:pPr rtl="0"/>
             <a:fld id="{43C65238-94D3-4E2A-8871-35F69C9267E1}" type="datetime1">
               <a:rPr lang="de-DE" noProof="0" smtClean="0"/>
-              <a:t>31.01.2020</a:t>
+              <a:t>01.02.2020</a:t>
             </a:fld>
             <a:endParaRPr lang="de-DE" noProof="0" dirty="0"/>
           </a:p>
@@ -3245,7 +3245,7 @@
             <a:pPr rtl="0"/>
             <a:fld id="{D128FE7D-6DE5-455B-B8BC-19B99EA42F19}" type="datetime1">
               <a:rPr lang="de-DE" noProof="0" smtClean="0"/>
-              <a:t>31.01.2020</a:t>
+              <a:t>01.02.2020</a:t>
             </a:fld>
             <a:endParaRPr lang="de-DE" noProof="0" dirty="0"/>
           </a:p>
@@ -3424,7 +3424,7 @@
             <a:pPr rtl="0"/>
             <a:fld id="{94B6682B-DF45-48CF-8E85-CFEB67765AF0}" type="datetime1">
               <a:rPr lang="de-DE" noProof="0" smtClean="0"/>
-              <a:t>31.01.2020</a:t>
+              <a:t>01.02.2020</a:t>
             </a:fld>
             <a:endParaRPr lang="de-DE" noProof="0" dirty="0"/>
           </a:p>
@@ -3600,7 +3600,7 @@
             <a:pPr rtl="0"/>
             <a:fld id="{5C6354A6-CC94-42FF-8716-AC4F163853CA}" type="datetime1">
               <a:rPr lang="de-DE" noProof="0" smtClean="0"/>
-              <a:t>31.01.2020</a:t>
+              <a:t>01.02.2020</a:t>
             </a:fld>
             <a:endParaRPr lang="de-DE" noProof="0" dirty="0"/>
           </a:p>
@@ -3847,7 +3847,7 @@
             <a:pPr rtl="0"/>
             <a:fld id="{9136D4C8-920F-4FF7-A621-508D8A357006}" type="datetime1">
               <a:rPr lang="de-DE" noProof="0" smtClean="0"/>
-              <a:t>31.01.2020</a:t>
+              <a:t>01.02.2020</a:t>
             </a:fld>
             <a:endParaRPr lang="de-DE" noProof="0" dirty="0"/>
           </a:p>
@@ -4079,7 +4079,7 @@
             <a:pPr rtl="0"/>
             <a:fld id="{7AB00E34-C0E2-4EA6-A381-2D550E7E04A0}" type="datetime1">
               <a:rPr lang="de-DE" noProof="0" smtClean="0"/>
-              <a:t>31.01.2020</a:t>
+              <a:t>01.02.2020</a:t>
             </a:fld>
             <a:endParaRPr lang="de-DE" noProof="0" dirty="0"/>
           </a:p>
@@ -4452,7 +4452,7 @@
             <a:pPr rtl="0"/>
             <a:fld id="{066838FE-D334-461C-B42D-AAF628E4C311}" type="datetime1">
               <a:rPr lang="de-DE" noProof="0" smtClean="0"/>
-              <a:t>31.01.2020</a:t>
+              <a:t>01.02.2020</a:t>
             </a:fld>
             <a:endParaRPr lang="de-DE" noProof="0" dirty="0"/>
           </a:p>
@@ -4575,7 +4575,7 @@
             <a:pPr rtl="0"/>
             <a:fld id="{801C3057-93F8-4FA2-8DF8-2DBFACB9FD74}" type="datetime1">
               <a:rPr lang="de-DE" noProof="0" smtClean="0"/>
-              <a:t>31.01.2020</a:t>
+              <a:t>01.02.2020</a:t>
             </a:fld>
             <a:endParaRPr lang="de-DE" noProof="0" dirty="0"/>
           </a:p>
@@ -4669,7 +4669,7 @@
             <a:pPr rtl="0"/>
             <a:fld id="{2FCB5FB2-86D1-44D5-B9CA-C25EE954778E}" type="datetime1">
               <a:rPr lang="de-DE" noProof="0" smtClean="0"/>
-              <a:t>31.01.2020</a:t>
+              <a:t>01.02.2020</a:t>
             </a:fld>
             <a:endParaRPr lang="de-DE" noProof="0" dirty="0"/>
           </a:p>
@@ -4924,7 +4924,7 @@
             <a:pPr rtl="0"/>
             <a:fld id="{407AEEC6-68BF-4121-8AC5-6849170F2B78}" type="datetime1">
               <a:rPr lang="de-DE" noProof="0" smtClean="0"/>
-              <a:t>31.01.2020</a:t>
+              <a:t>01.02.2020</a:t>
             </a:fld>
             <a:endParaRPr lang="de-DE" noProof="0" dirty="0"/>
           </a:p>
@@ -5187,7 +5187,7 @@
             <a:pPr rtl="0"/>
             <a:fld id="{2C3D5143-E439-4EAE-A618-60AA9106E01B}" type="datetime1">
               <a:rPr lang="de-DE" noProof="0" smtClean="0"/>
-              <a:t>31.01.2020</a:t>
+              <a:t>01.02.2020</a:t>
             </a:fld>
             <a:endParaRPr lang="de-DE" noProof="0" dirty="0"/>
           </a:p>
@@ -5928,7 +5928,7 @@
             <a:pPr rtl="0"/>
             <a:fld id="{4BA9A0BF-2586-4C23-83EB-5A6A6CC533F3}" type="datetime1">
               <a:rPr lang="de-DE" noProof="0" smtClean="0"/>
-              <a:t>31.01.2020</a:t>
+              <a:t>01.02.2020</a:t>
             </a:fld>
             <a:endParaRPr lang="de-DE" noProof="0" dirty="0"/>
           </a:p>
@@ -7835,14 +7835,14 @@
             <p:ph idx="1"/>
             <p:extLst>
               <p:ext uri="{D42A27DB-BD31-4B8C-83A1-F6EECF244321}">
-                <p14:modId xmlns:p14="http://schemas.microsoft.com/office/powerpoint/2010/main" val="192794139"/>
+                <p14:modId xmlns:p14="http://schemas.microsoft.com/office/powerpoint/2010/main" val="3343890310"/>
               </p:ext>
             </p:extLst>
           </p:nvPr>
         </p:nvGraphicFramePr>
         <p:xfrm>
           <a:off x="677863" y="2160588"/>
-          <a:ext cx="8596312" cy="1854200"/>
+          <a:ext cx="8596312" cy="3042920"/>
         </p:xfrm>
         <a:graphic>
           <a:graphicData uri="http://schemas.openxmlformats.org/drawingml/2006/table">
@@ -7851,17 +7851,31 @@
                 <a:tableStyleId>{5C22544A-7EE6-4342-B048-85BDC9FD1C3A}</a:tableStyleId>
               </a:tblPr>
               <a:tblGrid>
-                <a:gridCol w="4298156">
+                <a:gridCol w="3765800">
                   <a:extLst>
                     <a:ext uri="{9D8B030D-6E8A-4147-A177-3AD203B41FA5}">
                       <a16:colId xmlns:a16="http://schemas.microsoft.com/office/drawing/2014/main" val="3867817754"/>
                     </a:ext>
                   </a:extLst>
                 </a:gridCol>
-                <a:gridCol w="4298156">
+                <a:gridCol w="532356">
+                  <a:extLst>
+                    <a:ext uri="{9D8B030D-6E8A-4147-A177-3AD203B41FA5}">
+                      <a16:colId xmlns:a16="http://schemas.microsoft.com/office/drawing/2014/main" val="1707420571"/>
+                    </a:ext>
+                  </a:extLst>
+                </a:gridCol>
+                <a:gridCol w="3766928">
                   <a:extLst>
                     <a:ext uri="{9D8B030D-6E8A-4147-A177-3AD203B41FA5}">
                       <a16:colId xmlns:a16="http://schemas.microsoft.com/office/drawing/2014/main" val="750563517"/>
+                    </a:ext>
+                  </a:extLst>
+                </a:gridCol>
+                <a:gridCol w="531228">
+                  <a:extLst>
+                    <a:ext uri="{9D8B030D-6E8A-4147-A177-3AD203B41FA5}">
+                      <a16:colId xmlns:a16="http://schemas.microsoft.com/office/drawing/2014/main" val="4272290873"/>
                     </a:ext>
                   </a:extLst>
                 </a:gridCol>
@@ -7872,7 +7886,10 @@
                     <a:bodyPr/>
                     <a:lstStyle/>
                     <a:p>
-                      <a:endParaRPr lang="de-DE"/>
+                      <a:r>
+                        <a:rPr lang="de-DE" dirty="0"/>
+                        <a:t>Wichtig</a:t>
+                      </a:r>
                     </a:p>
                   </a:txBody>
                   <a:tcPr/>
@@ -7882,7 +7899,43 @@
                     <a:bodyPr/>
                     <a:lstStyle/>
                     <a:p>
-                      <a:endParaRPr lang="de-DE"/>
+                      <a:endParaRPr lang="de-DE" dirty="0"/>
+                    </a:p>
+                  </a:txBody>
+                  <a:tcPr/>
+                </a:tc>
+                <a:tc>
+                  <a:txBody>
+                    <a:bodyPr/>
+                    <a:lstStyle/>
+                    <a:p>
+                      <a:r>
+                        <a:rPr lang="de-DE" dirty="0"/>
+                        <a:t>Nice </a:t>
+                      </a:r>
+                      <a:r>
+                        <a:rPr lang="de-DE" dirty="0" err="1"/>
+                        <a:t>to</a:t>
+                      </a:r>
+                      <a:r>
+                        <a:rPr lang="de-DE" dirty="0"/>
+                        <a:t> </a:t>
+                      </a:r>
+                      <a:r>
+                        <a:rPr lang="de-DE" dirty="0" err="1"/>
+                        <a:t>have</a:t>
+                      </a:r>
+                      <a:endParaRPr lang="de-DE" dirty="0"/>
+                    </a:p>
+                  </a:txBody>
+                  <a:tcPr/>
+                </a:tc>
+                <a:tc>
+                  <a:txBody>
+                    <a:bodyPr/>
+                    <a:lstStyle/>
+                    <a:p>
+                      <a:endParaRPr lang="de-DE" dirty="0"/>
                     </a:p>
                   </a:txBody>
                   <a:tcPr/>
@@ -7899,7 +7952,10 @@
                     <a:bodyPr/>
                     <a:lstStyle/>
                     <a:p>
-                      <a:endParaRPr lang="de-DE"/>
+                      <a:r>
+                        <a:rPr lang="de-DE" dirty="0"/>
+                        <a:t>Orte (Adresse + Koordinaten)</a:t>
+                      </a:r>
                     </a:p>
                   </a:txBody>
                   <a:tcPr/>
@@ -7909,7 +7965,30 @@
                     <a:bodyPr/>
                     <a:lstStyle/>
                     <a:p>
-                      <a:endParaRPr lang="de-DE"/>
+                      <a:endParaRPr lang="de-DE" dirty="0"/>
+                    </a:p>
+                  </a:txBody>
+                  <a:tcPr/>
+                </a:tc>
+                <a:tc>
+                  <a:txBody>
+                    <a:bodyPr/>
+                    <a:lstStyle/>
+                    <a:p>
+                      <a:r>
+                        <a:rPr lang="de-DE" dirty="0"/>
+                        <a:t>Wetter</a:t>
+                      </a:r>
+                    </a:p>
+                  </a:txBody>
+                  <a:tcPr/>
+                </a:tc>
+                <a:tc>
+                  <a:txBody>
+                    <a:bodyPr/>
+                    <a:lstStyle/>
+                    <a:p>
+                      <a:endParaRPr lang="de-DE" dirty="0"/>
                     </a:p>
                   </a:txBody>
                   <a:tcPr/>
@@ -7926,7 +8005,10 @@
                     <a:bodyPr/>
                     <a:lstStyle/>
                     <a:p>
-                      <a:endParaRPr lang="de-DE"/>
+                      <a:r>
+                        <a:rPr lang="de-DE" dirty="0"/>
+                        <a:t>Fahrten</a:t>
+                      </a:r>
                     </a:p>
                   </a:txBody>
                   <a:tcPr/>
@@ -7936,7 +8018,30 @@
                     <a:bodyPr/>
                     <a:lstStyle/>
                     <a:p>
-                      <a:endParaRPr lang="de-DE"/>
+                      <a:endParaRPr lang="de-DE" dirty="0"/>
+                    </a:p>
+                  </a:txBody>
+                  <a:tcPr/>
+                </a:tc>
+                <a:tc>
+                  <a:txBody>
+                    <a:bodyPr/>
+                    <a:lstStyle/>
+                    <a:p>
+                      <a:r>
+                        <a:rPr lang="de-DE" dirty="0"/>
+                        <a:t>Restaurants</a:t>
+                      </a:r>
+                    </a:p>
+                  </a:txBody>
+                  <a:tcPr/>
+                </a:tc>
+                <a:tc>
+                  <a:txBody>
+                    <a:bodyPr/>
+                    <a:lstStyle/>
+                    <a:p>
+                      <a:endParaRPr lang="de-DE" dirty="0"/>
                     </a:p>
                   </a:txBody>
                   <a:tcPr/>
@@ -7953,7 +8058,34 @@
                     <a:bodyPr/>
                     <a:lstStyle/>
                     <a:p>
-                      <a:endParaRPr lang="de-DE"/>
+                      <a:r>
+                        <a:rPr lang="de-DE" dirty="0"/>
+                        <a:t>Personen //die einer Reise (Journey zugeordnet sind, aber noch nicht einladen oder was ändern kann/ </a:t>
+                      </a:r>
+                      <a:r>
+                        <a:rPr lang="de-DE" dirty="0" err="1"/>
+                        <a:t>only</a:t>
+                      </a:r>
+                      <a:r>
+                        <a:rPr lang="de-DE" dirty="0"/>
+                        <a:t> </a:t>
+                      </a:r>
+                      <a:r>
+                        <a:rPr lang="de-DE" dirty="0" err="1"/>
+                        <a:t>single</a:t>
+                      </a:r>
+                      <a:r>
+                        <a:rPr lang="de-DE" dirty="0"/>
+                        <a:t> </a:t>
+                      </a:r>
+                      <a:r>
+                        <a:rPr lang="de-DE" dirty="0" err="1"/>
+                        <a:t>user</a:t>
+                      </a:r>
+                      <a:r>
+                        <a:rPr lang="de-DE" dirty="0"/>
+                        <a:t>)</a:t>
+                      </a:r>
                     </a:p>
                   </a:txBody>
                   <a:tcPr/>
@@ -7963,7 +8095,30 @@
                     <a:bodyPr/>
                     <a:lstStyle/>
                     <a:p>
-                      <a:endParaRPr lang="de-DE"/>
+                      <a:endParaRPr lang="de-DE" dirty="0"/>
+                    </a:p>
+                  </a:txBody>
+                  <a:tcPr/>
+                </a:tc>
+                <a:tc>
+                  <a:txBody>
+                    <a:bodyPr/>
+                    <a:lstStyle/>
+                    <a:p>
+                      <a:r>
+                        <a:rPr lang="de-DE" dirty="0"/>
+                        <a:t>Packliste</a:t>
+                      </a:r>
+                    </a:p>
+                  </a:txBody>
+                  <a:tcPr/>
+                </a:tc>
+                <a:tc>
+                  <a:txBody>
+                    <a:bodyPr/>
+                    <a:lstStyle/>
+                    <a:p>
+                      <a:endParaRPr lang="de-DE" dirty="0"/>
                     </a:p>
                   </a:txBody>
                   <a:tcPr/>
@@ -7980,7 +8135,41 @@
                     <a:bodyPr/>
                     <a:lstStyle/>
                     <a:p>
-                      <a:endParaRPr lang="de-DE"/>
+                      <a:r>
+                        <a:rPr lang="de-DE" dirty="0"/>
+                        <a:t>Kosten (Währungsrechner, </a:t>
+                      </a:r>
+                      <a:r>
+                        <a:rPr lang="de-DE" dirty="0" err="1"/>
+                        <a:t>p.P</a:t>
+                      </a:r>
+                      <a:r>
+                        <a:rPr lang="de-DE" dirty="0"/>
+                        <a:t>.)</a:t>
+                      </a:r>
+                    </a:p>
+                  </a:txBody>
+                  <a:tcPr/>
+                </a:tc>
+                <a:tc>
+                  <a:txBody>
+                    <a:bodyPr/>
+                    <a:lstStyle/>
+                    <a:p>
+                      <a:endParaRPr lang="de-DE" dirty="0"/>
+                    </a:p>
+                  </a:txBody>
+                  <a:tcPr/>
+                </a:tc>
+                <a:tc>
+                  <a:txBody>
+                    <a:bodyPr/>
+                    <a:lstStyle/>
+                    <a:p>
+                      <a:r>
+                        <a:rPr lang="de-DE" dirty="0"/>
+                        <a:t>Abstimmen</a:t>
+                      </a:r>
                     </a:p>
                   </a:txBody>
                   <a:tcPr/>
@@ -7998,6 +8187,53 @@
                 <a:extLst>
                   <a:ext uri="{0D108BD9-81ED-4DB2-BD59-A6C34878D82A}">
                     <a16:rowId xmlns:a16="http://schemas.microsoft.com/office/drawing/2014/main" val="1706442327"/>
+                  </a:ext>
+                </a:extLst>
+              </a:tr>
+              <a:tr h="370840">
+                <a:tc>
+                  <a:txBody>
+                    <a:bodyPr/>
+                    <a:lstStyle/>
+                    <a:p>
+                      <a:endParaRPr lang="de-DE" dirty="0"/>
+                    </a:p>
+                  </a:txBody>
+                  <a:tcPr/>
+                </a:tc>
+                <a:tc>
+                  <a:txBody>
+                    <a:bodyPr/>
+                    <a:lstStyle/>
+                    <a:p>
+                      <a:endParaRPr lang="de-DE" dirty="0"/>
+                    </a:p>
+                  </a:txBody>
+                  <a:tcPr/>
+                </a:tc>
+                <a:tc>
+                  <a:txBody>
+                    <a:bodyPr/>
+                    <a:lstStyle/>
+                    <a:p>
+                      <a:endParaRPr lang="de-DE" dirty="0"/>
+                    </a:p>
+                  </a:txBody>
+                  <a:tcPr/>
+                </a:tc>
+                <a:tc>
+                  <a:txBody>
+                    <a:bodyPr/>
+                    <a:lstStyle/>
+                    <a:p>
+                      <a:endParaRPr lang="de-DE" dirty="0"/>
+                    </a:p>
+                  </a:txBody>
+                  <a:tcPr/>
+                </a:tc>
+                <a:extLst>
+                  <a:ext uri="{0D108BD9-81ED-4DB2-BD59-A6C34878D82A}">
+                    <a16:rowId xmlns:a16="http://schemas.microsoft.com/office/drawing/2014/main" val="3689601689"/>
                   </a:ext>
                 </a:extLst>
               </a:tr>
@@ -9061,21 +9297,6 @@
 </file>
 
 <file path=customXml/item1.xml><?xml version="1.0" encoding="utf-8"?>
-<p:properties xmlns:p="http://schemas.microsoft.com/office/2006/metadata/properties" xmlns:xsi="http://www.w3.org/2001/XMLSchema-instance" xmlns:pc="http://schemas.microsoft.com/office/infopath/2007/PartnerControls">
-  <documentManagement/>
-</p:properties>
-</file>
-
-<file path=customXml/item2.xml><?xml version="1.0" encoding="utf-8"?>
-<?mso-contentType ?>
-<FormTemplates xmlns="http://schemas.microsoft.com/sharepoint/v3/contenttype/forms">
-  <Display>DocumentLibraryForm</Display>
-  <Edit>DocumentLibraryForm</Edit>
-  <New>DocumentLibraryForm</New>
-</FormTemplates>
-</file>
-
-<file path=customXml/item3.xml><?xml version="1.0" encoding="utf-8"?>
 <ct:contentTypeSchema xmlns:ct="http://schemas.microsoft.com/office/2006/metadata/contentType" xmlns:ma="http://schemas.microsoft.com/office/2006/metadata/properties/metaAttributes" ct:_="" ma:_="" ma:contentTypeName="Dokument" ma:contentTypeID="0x0101008420D08679825244AA156375DA7C38F1" ma:contentTypeVersion="5" ma:contentTypeDescription="Ein neues Dokument erstellen." ma:contentTypeScope="" ma:versionID="a077b792dbb708d44254c48ee1aec050">
   <xsd:schema xmlns:xsd="http://www.w3.org/2001/XMLSchema" xmlns:xs="http://www.w3.org/2001/XMLSchema" xmlns:p="http://schemas.microsoft.com/office/2006/metadata/properties" xmlns:ns3="2648c205-f937-4a02-8019-1876631e279e" xmlns:ns4="40740ae1-319c-4dca-8118-a78c9708f79a" targetNamespace="http://schemas.microsoft.com/office/2006/metadata/properties" ma:root="true" ma:fieldsID="7d4dc21b2db727f99ffcadf6487840a2" ns3:_="" ns4:_="">
     <xsd:import namespace="2648c205-f937-4a02-8019-1876631e279e"/>
@@ -9246,32 +9467,22 @@
 </ct:contentTypeSchema>
 </file>
 
-<file path=customXml/itemProps1.xml><?xml version="1.0" encoding="utf-8"?>
-<ds:datastoreItem xmlns:ds="http://schemas.openxmlformats.org/officeDocument/2006/customXml" ds:itemID="{CC24F515-356D-4532-BE08-F6D7771916F0}">
-  <ds:schemaRefs>
-    <ds:schemaRef ds:uri="http://purl.org/dc/elements/1.1/"/>
-    <ds:schemaRef ds:uri="http://schemas.microsoft.com/office/2006/documentManagement/types"/>
-    <ds:schemaRef ds:uri="http://purl.org/dc/terms/"/>
-    <ds:schemaRef ds:uri="40740ae1-319c-4dca-8118-a78c9708f79a"/>
-    <ds:schemaRef ds:uri="http://www.w3.org/XML/1998/namespace"/>
-    <ds:schemaRef ds:uri="http://schemas.openxmlformats.org/package/2006/metadata/core-properties"/>
-    <ds:schemaRef ds:uri="http://schemas.microsoft.com/office/infopath/2007/PartnerControls"/>
-    <ds:schemaRef ds:uri="2648c205-f937-4a02-8019-1876631e279e"/>
-    <ds:schemaRef ds:uri="http://purl.org/dc/dcmitype/"/>
-    <ds:schemaRef ds:uri="http://schemas.microsoft.com/office/2006/metadata/properties"/>
-  </ds:schemaRefs>
-</ds:datastoreItem>
+<file path=customXml/item2.xml><?xml version="1.0" encoding="utf-8"?>
+<?mso-contentType ?>
+<FormTemplates xmlns="http://schemas.microsoft.com/sharepoint/v3/contenttype/forms">
+  <Display>DocumentLibraryForm</Display>
+  <Edit>DocumentLibraryForm</Edit>
+  <New>DocumentLibraryForm</New>
+</FormTemplates>
 </file>
 
-<file path=customXml/itemProps2.xml><?xml version="1.0" encoding="utf-8"?>
-<ds:datastoreItem xmlns:ds="http://schemas.openxmlformats.org/officeDocument/2006/customXml" ds:itemID="{9AEF1282-A6E9-4912-8AB9-8ED69BF7097D}">
-  <ds:schemaRefs>
-    <ds:schemaRef ds:uri="http://schemas.microsoft.com/sharepoint/v3/contenttype/forms"/>
-  </ds:schemaRefs>
-</ds:datastoreItem>
+<file path=customXml/item3.xml><?xml version="1.0" encoding="utf-8"?>
+<p:properties xmlns:p="http://schemas.microsoft.com/office/2006/metadata/properties" xmlns:xsi="http://www.w3.org/2001/XMLSchema-instance" xmlns:pc="http://schemas.microsoft.com/office/infopath/2007/PartnerControls">
+  <documentManagement/>
+</p:properties>
 </file>
 
-<file path=customXml/itemProps3.xml><?xml version="1.0" encoding="utf-8"?>
+<file path=customXml/itemProps1.xml><?xml version="1.0" encoding="utf-8"?>
 <ds:datastoreItem xmlns:ds="http://schemas.openxmlformats.org/officeDocument/2006/customXml" ds:itemID="{959395D3-6CAB-4037-8C32-999851859076}">
   <ds:schemaRefs>
     <ds:schemaRef ds:uri="http://schemas.microsoft.com/office/2006/metadata/contentType"/>
@@ -9288,4 +9499,29 @@
     <ds:schemaRef ds:uri="http://schemas.microsoft.com/internal/obd"/>
   </ds:schemaRefs>
 </ds:datastoreItem>
+</file>
+
+<file path=customXml/itemProps2.xml><?xml version="1.0" encoding="utf-8"?>
+<ds:datastoreItem xmlns:ds="http://schemas.openxmlformats.org/officeDocument/2006/customXml" ds:itemID="{9AEF1282-A6E9-4912-8AB9-8ED69BF7097D}">
+  <ds:schemaRefs>
+    <ds:schemaRef ds:uri="http://schemas.microsoft.com/sharepoint/v3/contenttype/forms"/>
+  </ds:schemaRefs>
+</ds:datastoreItem>
+</file>
+
+<file path=customXml/itemProps3.xml><?xml version="1.0" encoding="utf-8"?>
+<ds:datastoreItem xmlns:ds="http://schemas.openxmlformats.org/officeDocument/2006/customXml" ds:itemID="{CC24F515-356D-4532-BE08-F6D7771916F0}">
+  <ds:schemaRefs>
+    <ds:schemaRef ds:uri="http://purl.org/dc/elements/1.1/"/>
+    <ds:schemaRef ds:uri="http://schemas.microsoft.com/office/2006/documentManagement/types"/>
+    <ds:schemaRef ds:uri="http://purl.org/dc/terms/"/>
+    <ds:schemaRef ds:uri="40740ae1-319c-4dca-8118-a78c9708f79a"/>
+    <ds:schemaRef ds:uri="http://www.w3.org/XML/1998/namespace"/>
+    <ds:schemaRef ds:uri="http://schemas.openxmlformats.org/package/2006/metadata/core-properties"/>
+    <ds:schemaRef ds:uri="http://schemas.microsoft.com/office/infopath/2007/PartnerControls"/>
+    <ds:schemaRef ds:uri="2648c205-f937-4a02-8019-1876631e279e"/>
+    <ds:schemaRef ds:uri="http://purl.org/dc/dcmitype/"/>
+    <ds:schemaRef ds:uri="http://schemas.microsoft.com/office/2006/metadata/properties"/>
+  </ds:schemaRefs>
+</ds:datastoreItem>
 </file>